--- a/src/site/sphinx/source/_static/image.pptx
+++ b/src/site/sphinx/source/_static/image.pptx
@@ -295,7 +295,7 @@
             <a:fld id="{E90ED720-0104-4369-84BC-D37694168613}" type="datetimeFigureOut">
               <a:rPr kumimoji="1" lang="ja-JP" altLang="en-US" smtClean="0"/>
               <a:pPr/>
-              <a:t>2015/4/4</a:t>
+              <a:t>2016/1/16</a:t>
             </a:fld>
             <a:endParaRPr kumimoji="1" lang="ja-JP" altLang="en-US"/>
           </a:p>
@@ -494,7 +494,7 @@
             <a:fld id="{E90ED720-0104-4369-84BC-D37694168613}" type="datetimeFigureOut">
               <a:rPr kumimoji="1" lang="ja-JP" altLang="en-US" smtClean="0"/>
               <a:pPr/>
-              <a:t>2015/4/4</a:t>
+              <a:t>2016/1/16</a:t>
             </a:fld>
             <a:endParaRPr kumimoji="1" lang="ja-JP" altLang="en-US"/>
           </a:p>
@@ -703,7 +703,7 @@
             <a:fld id="{E90ED720-0104-4369-84BC-D37694168613}" type="datetimeFigureOut">
               <a:rPr kumimoji="1" lang="ja-JP" altLang="en-US" smtClean="0"/>
               <a:pPr/>
-              <a:t>2015/4/4</a:t>
+              <a:t>2016/1/16</a:t>
             </a:fld>
             <a:endParaRPr kumimoji="1" lang="ja-JP" altLang="en-US"/>
           </a:p>
@@ -902,7 +902,7 @@
             <a:fld id="{E90ED720-0104-4369-84BC-D37694168613}" type="datetimeFigureOut">
               <a:rPr kumimoji="1" lang="ja-JP" altLang="en-US" smtClean="0"/>
               <a:pPr/>
-              <a:t>2015/4/4</a:t>
+              <a:t>2016/1/16</a:t>
             </a:fld>
             <a:endParaRPr kumimoji="1" lang="ja-JP" altLang="en-US"/>
           </a:p>
@@ -1145,7 +1145,7 @@
             <a:fld id="{E90ED720-0104-4369-84BC-D37694168613}" type="datetimeFigureOut">
               <a:rPr kumimoji="1" lang="ja-JP" altLang="en-US" smtClean="0"/>
               <a:pPr/>
-              <a:t>2015/4/4</a:t>
+              <a:t>2016/1/16</a:t>
             </a:fld>
             <a:endParaRPr kumimoji="1" lang="ja-JP" altLang="en-US"/>
           </a:p>
@@ -1494,7 +1494,7 @@
             <a:fld id="{E90ED720-0104-4369-84BC-D37694168613}" type="datetimeFigureOut">
               <a:rPr kumimoji="1" lang="ja-JP" altLang="en-US" smtClean="0"/>
               <a:pPr/>
-              <a:t>2015/4/4</a:t>
+              <a:t>2016/1/16</a:t>
             </a:fld>
             <a:endParaRPr kumimoji="1" lang="ja-JP" altLang="en-US"/>
           </a:p>
@@ -1977,7 +1977,7 @@
             <a:fld id="{E90ED720-0104-4369-84BC-D37694168613}" type="datetimeFigureOut">
               <a:rPr kumimoji="1" lang="ja-JP" altLang="en-US" smtClean="0"/>
               <a:pPr/>
-              <a:t>2015/4/4</a:t>
+              <a:t>2016/1/16</a:t>
             </a:fld>
             <a:endParaRPr kumimoji="1" lang="ja-JP" altLang="en-US"/>
           </a:p>
@@ -2092,7 +2092,7 @@
             <a:fld id="{E90ED720-0104-4369-84BC-D37694168613}" type="datetimeFigureOut">
               <a:rPr kumimoji="1" lang="ja-JP" altLang="en-US" smtClean="0"/>
               <a:pPr/>
-              <a:t>2015/4/4</a:t>
+              <a:t>2016/1/16</a:t>
             </a:fld>
             <a:endParaRPr kumimoji="1" lang="ja-JP" altLang="en-US"/>
           </a:p>
@@ -2184,7 +2184,7 @@
             <a:fld id="{E90ED720-0104-4369-84BC-D37694168613}" type="datetimeFigureOut">
               <a:rPr kumimoji="1" lang="ja-JP" altLang="en-US" smtClean="0"/>
               <a:pPr/>
-              <a:t>2015/4/4</a:t>
+              <a:t>2016/1/16</a:t>
             </a:fld>
             <a:endParaRPr kumimoji="1" lang="ja-JP" altLang="en-US"/>
           </a:p>
@@ -2490,7 +2490,7 @@
             <a:fld id="{E90ED720-0104-4369-84BC-D37694168613}" type="datetimeFigureOut">
               <a:rPr kumimoji="1" lang="ja-JP" altLang="en-US" smtClean="0"/>
               <a:pPr/>
-              <a:t>2015/4/4</a:t>
+              <a:t>2016/1/16</a:t>
             </a:fld>
             <a:endParaRPr kumimoji="1" lang="ja-JP" altLang="en-US"/>
           </a:p>
@@ -2740,7 +2740,7 @@
             <a:fld id="{E90ED720-0104-4369-84BC-D37694168613}" type="datetimeFigureOut">
               <a:rPr kumimoji="1" lang="ja-JP" altLang="en-US" smtClean="0"/>
               <a:pPr/>
-              <a:t>2015/4/4</a:t>
+              <a:t>2016/1/16</a:t>
             </a:fld>
             <a:endParaRPr kumimoji="1" lang="ja-JP" altLang="en-US"/>
           </a:p>
@@ -2982,7 +2982,7 @@
             <a:fld id="{E90ED720-0104-4369-84BC-D37694168613}" type="datetimeFigureOut">
               <a:rPr kumimoji="1" lang="ja-JP" altLang="en-US" smtClean="0"/>
               <a:pPr/>
-              <a:t>2015/4/4</a:t>
+              <a:t>2016/1/16</a:t>
             </a:fld>
             <a:endParaRPr kumimoji="1" lang="ja-JP" altLang="en-US"/>
           </a:p>
@@ -6200,7 +6200,7 @@
       </p:grpSpPr>
       <p:pic>
         <p:nvPicPr>
-          <p:cNvPr id="1028" name="Picture 4"/>
+          <p:cNvPr id="2050" name="Picture 2"/>
           <p:cNvPicPr>
             <a:picLocks noChangeAspect="1" noChangeArrowheads="1"/>
           </p:cNvPicPr>
@@ -6219,8 +6219,8 @@
         </p:blipFill>
         <p:spPr bwMode="auto">
           <a:xfrm>
-            <a:off x="3364956" y="3780494"/>
-            <a:ext cx="2708589" cy="957700"/>
+            <a:off x="3389392" y="3805520"/>
+            <a:ext cx="2751991" cy="775608"/>
           </a:xfrm>
           <a:prstGeom prst="rect">
             <a:avLst/>
@@ -8171,7 +8171,7 @@
         <p:spPr>
           <a:xfrm>
             <a:off x="446243" y="1268760"/>
-            <a:ext cx="7000634" cy="369332"/>
+            <a:ext cx="7385355" cy="369332"/>
           </a:xfrm>
           <a:prstGeom prst="rect">
             <a:avLst/>
@@ -8185,7 +8185,7 @@
           <a:lstStyle/>
           <a:p>
             <a:r>
-              <a:rPr lang="en-US" altLang="ja-JP" b="1" dirty="0">
+              <a:rPr lang="en-US" altLang="ja-JP" b="1" dirty="0" smtClean="0">
                 <a:solidFill>
                   <a:srgbClr val="C00000"/>
                 </a:solidFill>
@@ -8193,7 +8193,18 @@
                 <a:ea typeface="メイリオ" panose="020B0604030504040204" pitchFamily="50" charset="-128"/>
                 <a:cs typeface="メイリオ" panose="020B0604030504040204" pitchFamily="50" charset="-128"/>
               </a:rPr>
-              <a:t>[&gt;80]</a:t>
+              <a:t>[&gt;=80</a:t>
+            </a:r>
+            <a:r>
+              <a:rPr lang="en-US" altLang="ja-JP" b="1" dirty="0">
+                <a:solidFill>
+                  <a:srgbClr val="C00000"/>
+                </a:solidFill>
+                <a:latin typeface="メイリオ" panose="020B0604030504040204" pitchFamily="50" charset="-128"/>
+                <a:ea typeface="メイリオ" panose="020B0604030504040204" pitchFamily="50" charset="-128"/>
+                <a:cs typeface="メイリオ" panose="020B0604030504040204" pitchFamily="50" charset="-128"/>
+              </a:rPr>
+              <a:t>]</a:t>
             </a:r>
             <a:r>
               <a:rPr lang="en-US" altLang="ja-JP" dirty="0">
@@ -8217,18 +8228,37 @@
                 <a:ea typeface="メイリオ" panose="020B0604030504040204" pitchFamily="50" charset="-128"/>
                 <a:cs typeface="メイリオ" panose="020B0604030504040204" pitchFamily="50" charset="-128"/>
               </a:rPr>
-              <a:t>"#0;</a:t>
-            </a:r>
-            <a:r>
-              <a:rPr lang="en-US" altLang="ja-JP" b="1" dirty="0">
-                <a:solidFill>
-                  <a:srgbClr val="C00000"/>
-                </a:solidFill>
+              <a:t>"#0</a:t>
+            </a:r>
+            <a:r>
+              <a:rPr lang="en-US" altLang="ja-JP" dirty="0" smtClean="0">
                 <a:latin typeface="メイリオ" panose="020B0604030504040204" pitchFamily="50" charset="-128"/>
                 <a:ea typeface="メイリオ" panose="020B0604030504040204" pitchFamily="50" charset="-128"/>
                 <a:cs typeface="メイリオ" panose="020B0604030504040204" pitchFamily="50" charset="-128"/>
               </a:rPr>
-              <a:t>[&gt;50]</a:t>
+              <a:t>;</a:t>
+            </a:r>
+            <a:r>
+              <a:rPr lang="en-US" altLang="ja-JP" b="1" dirty="0" smtClean="0">
+                <a:solidFill>
+                  <a:srgbClr val="C00000"/>
+                </a:solidFill>
+                <a:latin typeface="メイリオ" panose="020B0604030504040204" pitchFamily="50" charset="-128"/>
+                <a:ea typeface="メイリオ" panose="020B0604030504040204" pitchFamily="50" charset="-128"/>
+                <a:cs typeface="メイリオ" panose="020B0604030504040204" pitchFamily="50" charset="-128"/>
+              </a:rPr>
+              <a:t>[&gt;=50</a:t>
+            </a:r>
+            <a:r>
+              <a:rPr lang="en-US" altLang="ja-JP" b="1" dirty="0">
+                <a:solidFill>
+                  <a:srgbClr val="C00000"/>
+                </a:solidFill>
+                <a:latin typeface="メイリオ" panose="020B0604030504040204" pitchFamily="50" charset="-128"/>
+                <a:ea typeface="メイリオ" panose="020B0604030504040204" pitchFamily="50" charset="-128"/>
+                <a:cs typeface="メイリオ" panose="020B0604030504040204" pitchFamily="50" charset="-128"/>
+              </a:rPr>
+              <a:t>]</a:t>
             </a:r>
             <a:r>
               <a:rPr lang="en-US" altLang="ja-JP" dirty="0">
@@ -8302,8 +8332,8 @@
         </p:nvSpPr>
         <p:spPr>
           <a:xfrm rot="5400000">
-            <a:off x="1470444" y="703153"/>
-            <a:ext cx="154440" cy="2016223"/>
+            <a:off x="1546724" y="626873"/>
+            <a:ext cx="145896" cy="2160239"/>
           </a:xfrm>
           <a:prstGeom prst="rightBrace">
             <a:avLst>
@@ -8350,8 +8380,8 @@
         </p:nvSpPr>
         <p:spPr>
           <a:xfrm rot="5400000">
-            <a:off x="3481158" y="769649"/>
-            <a:ext cx="154440" cy="1883227"/>
+            <a:off x="3774697" y="631143"/>
+            <a:ext cx="154443" cy="2160241"/>
           </a:xfrm>
           <a:prstGeom prst="rightBrace">
             <a:avLst>
@@ -8398,7 +8428,7 @@
         </p:nvSpPr>
         <p:spPr>
           <a:xfrm rot="5400000">
-            <a:off x="5274851" y="1007354"/>
+            <a:off x="5634892" y="1007354"/>
             <a:ext cx="191171" cy="1427461"/>
           </a:xfrm>
           <a:prstGeom prst="rightBrace">
@@ -8446,7 +8476,7 @@
         </p:nvSpPr>
         <p:spPr>
           <a:xfrm rot="5400000">
-            <a:off x="6707980" y="1145706"/>
+            <a:off x="7034111" y="1145706"/>
             <a:ext cx="154437" cy="1114028"/>
           </a:xfrm>
           <a:prstGeom prst="rightBrace">
@@ -8494,7 +8524,7 @@
         </p:nvSpPr>
         <p:spPr>
           <a:xfrm>
-            <a:off x="565190" y="1813384"/>
+            <a:off x="899592" y="1813384"/>
             <a:ext cx="1152128" cy="434565"/>
           </a:xfrm>
           <a:prstGeom prst="roundRect">
@@ -8598,7 +8628,7 @@
         </p:nvSpPr>
         <p:spPr>
           <a:xfrm>
-            <a:off x="2261031" y="1825215"/>
+            <a:off x="3203848" y="1825215"/>
             <a:ext cx="1141749" cy="434565"/>
           </a:xfrm>
           <a:prstGeom prst="roundRect">
@@ -8713,7 +8743,7 @@
         </p:nvSpPr>
         <p:spPr>
           <a:xfrm>
-            <a:off x="4860170" y="1816669"/>
+            <a:off x="5220211" y="1816669"/>
             <a:ext cx="935966" cy="434565"/>
           </a:xfrm>
           <a:prstGeom prst="roundRect">
@@ -8809,7 +8839,7 @@
         </p:nvSpPr>
         <p:spPr>
           <a:xfrm>
-            <a:off x="6372200" y="1816669"/>
+            <a:off x="6698331" y="1816669"/>
             <a:ext cx="864096" cy="434565"/>
           </a:xfrm>
           <a:prstGeom prst="roundRect">
@@ -8891,7 +8921,7 @@
       </p:sp>
       <p:pic>
         <p:nvPicPr>
-          <p:cNvPr id="2050" name="Picture 2"/>
+          <p:cNvPr id="1026" name="Picture 2"/>
           <p:cNvPicPr>
             <a:picLocks noChangeAspect="1" noChangeArrowheads="1"/>
           </p:cNvPicPr>
@@ -8910,8 +8940,8 @@
         </p:blipFill>
         <p:spPr bwMode="auto">
           <a:xfrm>
-            <a:off x="2843808" y="2348880"/>
-            <a:ext cx="2669010" cy="1076960"/>
+            <a:off x="2834885" y="2420888"/>
+            <a:ext cx="2619036" cy="898694"/>
           </a:xfrm>
           <a:prstGeom prst="rect">
             <a:avLst/>

--- a/src/site/sphinx/source/_static/image.pptx
+++ b/src/site/sphinx/source/_static/image.pptx
@@ -295,7 +295,7 @@
             <a:fld id="{E90ED720-0104-4369-84BC-D37694168613}" type="datetimeFigureOut">
               <a:rPr kumimoji="1" lang="ja-JP" altLang="en-US" smtClean="0"/>
               <a:pPr/>
-              <a:t>2016/1/16</a:t>
+              <a:t>2016/2/22</a:t>
             </a:fld>
             <a:endParaRPr kumimoji="1" lang="ja-JP" altLang="en-US"/>
           </a:p>
@@ -494,7 +494,7 @@
             <a:fld id="{E90ED720-0104-4369-84BC-D37694168613}" type="datetimeFigureOut">
               <a:rPr kumimoji="1" lang="ja-JP" altLang="en-US" smtClean="0"/>
               <a:pPr/>
-              <a:t>2016/1/16</a:t>
+              <a:t>2016/2/22</a:t>
             </a:fld>
             <a:endParaRPr kumimoji="1" lang="ja-JP" altLang="en-US"/>
           </a:p>
@@ -703,7 +703,7 @@
             <a:fld id="{E90ED720-0104-4369-84BC-D37694168613}" type="datetimeFigureOut">
               <a:rPr kumimoji="1" lang="ja-JP" altLang="en-US" smtClean="0"/>
               <a:pPr/>
-              <a:t>2016/1/16</a:t>
+              <a:t>2016/2/22</a:t>
             </a:fld>
             <a:endParaRPr kumimoji="1" lang="ja-JP" altLang="en-US"/>
           </a:p>
@@ -902,7 +902,7 @@
             <a:fld id="{E90ED720-0104-4369-84BC-D37694168613}" type="datetimeFigureOut">
               <a:rPr kumimoji="1" lang="ja-JP" altLang="en-US" smtClean="0"/>
               <a:pPr/>
-              <a:t>2016/1/16</a:t>
+              <a:t>2016/2/22</a:t>
             </a:fld>
             <a:endParaRPr kumimoji="1" lang="ja-JP" altLang="en-US"/>
           </a:p>
@@ -1145,7 +1145,7 @@
             <a:fld id="{E90ED720-0104-4369-84BC-D37694168613}" type="datetimeFigureOut">
               <a:rPr kumimoji="1" lang="ja-JP" altLang="en-US" smtClean="0"/>
               <a:pPr/>
-              <a:t>2016/1/16</a:t>
+              <a:t>2016/2/22</a:t>
             </a:fld>
             <a:endParaRPr kumimoji="1" lang="ja-JP" altLang="en-US"/>
           </a:p>
@@ -1494,7 +1494,7 @@
             <a:fld id="{E90ED720-0104-4369-84BC-D37694168613}" type="datetimeFigureOut">
               <a:rPr kumimoji="1" lang="ja-JP" altLang="en-US" smtClean="0"/>
               <a:pPr/>
-              <a:t>2016/1/16</a:t>
+              <a:t>2016/2/22</a:t>
             </a:fld>
             <a:endParaRPr kumimoji="1" lang="ja-JP" altLang="en-US"/>
           </a:p>
@@ -1977,7 +1977,7 @@
             <a:fld id="{E90ED720-0104-4369-84BC-D37694168613}" type="datetimeFigureOut">
               <a:rPr kumimoji="1" lang="ja-JP" altLang="en-US" smtClean="0"/>
               <a:pPr/>
-              <a:t>2016/1/16</a:t>
+              <a:t>2016/2/22</a:t>
             </a:fld>
             <a:endParaRPr kumimoji="1" lang="ja-JP" altLang="en-US"/>
           </a:p>
@@ -2092,7 +2092,7 @@
             <a:fld id="{E90ED720-0104-4369-84BC-D37694168613}" type="datetimeFigureOut">
               <a:rPr kumimoji="1" lang="ja-JP" altLang="en-US" smtClean="0"/>
               <a:pPr/>
-              <a:t>2016/1/16</a:t>
+              <a:t>2016/2/22</a:t>
             </a:fld>
             <a:endParaRPr kumimoji="1" lang="ja-JP" altLang="en-US"/>
           </a:p>
@@ -2184,7 +2184,7 @@
             <a:fld id="{E90ED720-0104-4369-84BC-D37694168613}" type="datetimeFigureOut">
               <a:rPr kumimoji="1" lang="ja-JP" altLang="en-US" smtClean="0"/>
               <a:pPr/>
-              <a:t>2016/1/16</a:t>
+              <a:t>2016/2/22</a:t>
             </a:fld>
             <a:endParaRPr kumimoji="1" lang="ja-JP" altLang="en-US"/>
           </a:p>
@@ -2490,7 +2490,7 @@
             <a:fld id="{E90ED720-0104-4369-84BC-D37694168613}" type="datetimeFigureOut">
               <a:rPr kumimoji="1" lang="ja-JP" altLang="en-US" smtClean="0"/>
               <a:pPr/>
-              <a:t>2016/1/16</a:t>
+              <a:t>2016/2/22</a:t>
             </a:fld>
             <a:endParaRPr kumimoji="1" lang="ja-JP" altLang="en-US"/>
           </a:p>
@@ -2740,7 +2740,7 @@
             <a:fld id="{E90ED720-0104-4369-84BC-D37694168613}" type="datetimeFigureOut">
               <a:rPr kumimoji="1" lang="ja-JP" altLang="en-US" smtClean="0"/>
               <a:pPr/>
-              <a:t>2016/1/16</a:t>
+              <a:t>2016/2/22</a:t>
             </a:fld>
             <a:endParaRPr kumimoji="1" lang="ja-JP" altLang="en-US"/>
           </a:p>
@@ -2982,7 +2982,7 @@
             <a:fld id="{E90ED720-0104-4369-84BC-D37694168613}" type="datetimeFigureOut">
               <a:rPr kumimoji="1" lang="ja-JP" altLang="en-US" smtClean="0"/>
               <a:pPr/>
-              <a:t>2016/1/16</a:t>
+              <a:t>2016/2/22</a:t>
             </a:fld>
             <a:endParaRPr kumimoji="1" lang="ja-JP" altLang="en-US"/>
           </a:p>
@@ -6645,7 +6645,7 @@
                   <a:schemeClr val="tx1"/>
                 </a:solidFill>
               </a:rPr>
-              <a:t>85</a:t>
+              <a:t>80</a:t>
             </a:r>
             <a:r>
               <a:rPr lang="ja-JP" altLang="en-US" sz="1100" dirty="0" smtClean="0">
@@ -6653,7 +6653,15 @@
                   <a:schemeClr val="tx1"/>
                 </a:solidFill>
               </a:rPr>
-              <a:t>」以上を</a:t>
+              <a:t>」</a:t>
+            </a:r>
+            <a:r>
+              <a:rPr lang="ja-JP" altLang="en-US" sz="1100" dirty="0" smtClean="0">
+                <a:solidFill>
+                  <a:schemeClr val="tx1"/>
+                </a:solidFill>
+              </a:rPr>
+              <a:t>以上を</a:t>
             </a:r>
             <a:r>
               <a:rPr lang="en-US" altLang="ja-JP" sz="1100" dirty="0" smtClean="0">
@@ -6671,12 +6679,20 @@
               </a:rPr>
             </a:br>
             <a:r>
+              <a:rPr lang="ja-JP" altLang="en-US" sz="1100" b="1" u="sng" dirty="0" smtClean="0">
+                <a:solidFill>
+                  <a:schemeClr val="tx1"/>
+                </a:solidFill>
+              </a:rPr>
+              <a:t>満たさない</a:t>
+            </a:r>
+            <a:r>
               <a:rPr lang="ja-JP" altLang="en-US" sz="1100" dirty="0" smtClean="0">
                 <a:solidFill>
                   <a:schemeClr val="tx1"/>
                 </a:solidFill>
               </a:rPr>
-              <a:t>満たさないその他の書式。</a:t>
+              <a:t>その他の書式。</a:t>
             </a:r>
             <a:endParaRPr kumimoji="1" lang="ja-JP" altLang="en-US" sz="1100" dirty="0">
               <a:solidFill>
@@ -7299,12 +7315,20 @@
               </a:rPr>
             </a:br>
             <a:r>
+              <a:rPr kumimoji="1" lang="ja-JP" altLang="en-US" sz="1100" b="1" u="sng" dirty="0" smtClean="0">
+                <a:solidFill>
+                  <a:schemeClr val="tx1"/>
+                </a:solidFill>
+              </a:rPr>
+              <a:t>満たす</a:t>
+            </a:r>
+            <a:r>
               <a:rPr kumimoji="1" lang="ja-JP" altLang="en-US" sz="1100" dirty="0" smtClean="0">
                 <a:solidFill>
                   <a:schemeClr val="tx1"/>
                 </a:solidFill>
               </a:rPr>
-              <a:t>満たす書式</a:t>
+              <a:t>書式</a:t>
             </a:r>
             <a:endParaRPr kumimoji="1" lang="ja-JP" altLang="en-US" sz="1100" dirty="0">
               <a:solidFill>
